--- a/Estilos/Scrum/Scrum_Gamedia.pptx
+++ b/Estilos/Scrum/Scrum_Gamedia.pptx
@@ -6,7 +6,7 @@
     <p:sldMasterId id="2147483650" r:id="rId2"/>
   </p:sldMasterIdLst>
   <p:notesMasterIdLst>
-    <p:notesMasterId r:id="rId9"/>
+    <p:notesMasterId r:id="rId10"/>
   </p:notesMasterIdLst>
   <p:sldIdLst>
     <p:sldId id="256" r:id="rId3"/>
@@ -15,6 +15,7 @@
     <p:sldId id="259" r:id="rId6"/>
     <p:sldId id="260" r:id="rId7"/>
     <p:sldId id="262" r:id="rId8"/>
+    <p:sldId id="263" r:id="rId9"/>
   </p:sldIdLst>
   <p:sldSz cx="12192000" cy="6858000"/>
   <p:notesSz cx="9144000" cy="6858000"/>
@@ -248,8 +249,11 @@
     </a:lvl9pPr>
   </p:defaultTextStyle>
   <p:extLst>
+    <p:ext uri="{EFAFB233-063F-42B5-8137-9DF3F51BA10A}">
+      <p15:sldGuideLst xmlns:p15="http://schemas.microsoft.com/office/powerpoint/2012/main"/>
+    </p:ext>
     <p:ext uri="http://customooxmlschemas.google.com/">
-      <go:slidesCustomData xmlns:go="http://customooxmlschemas.google.com/" xmlns:ahyp="http://schemas.microsoft.com/office/drawing/2018/hyperlinkcolor" xmlns:p15="http://schemas.microsoft.com/office/powerpoint/2012/main" xmlns:p14="http://schemas.microsoft.com/office/powerpoint/2010/main" xmlns:com="http://schemas.openxmlformats.org/drawingml/2006/compatibility" xmlns:pvml="urn:schemas-microsoft-com:office:powerpoint" xmlns:v="urn:schemas-microsoft-com:vml" xmlns:o="urn:schemas-microsoft-com:office:office" xmlns:dgm="http://schemas.openxmlformats.org/drawingml/2006/diagram" xmlns:c="http://schemas.openxmlformats.org/drawingml/2006/chart" xmlns:mv="urn:schemas-microsoft-com:mac:vml" xmlns:mc="http://schemas.openxmlformats.org/markup-compatibility/2006" xmlns="" r:id="rId22" roundtripDataSignature="AMtx7mjc5BVab5jJEaOHwvPZsgTDMBYY3g=="/>
+      <go:slidesCustomData xmlns="" xmlns:mc="http://schemas.openxmlformats.org/markup-compatibility/2006" xmlns:mv="urn:schemas-microsoft-com:mac:vml" xmlns:c="http://schemas.openxmlformats.org/drawingml/2006/chart" xmlns:dgm="http://schemas.openxmlformats.org/drawingml/2006/diagram" xmlns:o="urn:schemas-microsoft-com:office:office" xmlns:v="urn:schemas-microsoft-com:vml" xmlns:pvml="urn:schemas-microsoft-com:office:powerpoint" xmlns:com="http://schemas.openxmlformats.org/drawingml/2006/compatibility" xmlns:p14="http://schemas.microsoft.com/office/powerpoint/2010/main" xmlns:p15="http://schemas.microsoft.com/office/powerpoint/2012/main" xmlns:ahyp="http://schemas.microsoft.com/office/drawing/2018/hyperlinkcolor" xmlns:go="http://customooxmlschemas.google.com/" r:id="rId22" roundtripDataSignature="AMtx7mjc5BVab5jJEaOHwvPZsgTDMBYY3g=="/>
     </p:ext>
   </p:extLst>
 </p:presentation>
@@ -15081,6 +15085,13 @@
   <p:clrMapOvr>
     <a:masterClrMapping/>
   </p:clrMapOvr>
+  <p:timing>
+    <p:tnLst>
+      <p:par>
+        <p:cTn id="1" dur="indefinite" restart="never" nodeType="tmRoot"/>
+      </p:par>
+    </p:tnLst>
+  </p:timing>
 </p:sld>
 </file>
 
@@ -15688,6 +15699,13 @@
   <p:clrMapOvr>
     <a:masterClrMapping/>
   </p:clrMapOvr>
+  <p:timing>
+    <p:tnLst>
+      <p:par>
+        <p:cTn id="1" dur="indefinite" restart="never" nodeType="tmRoot"/>
+      </p:par>
+    </p:tnLst>
+  </p:timing>
 </p:sld>
 </file>
 
@@ -15991,19 +16009,7 @@
                 <a:cs typeface="Calibri"/>
                 <a:sym typeface="Calibri"/>
               </a:rPr>
-              <a:t>Descubrir juegos y opiniones</a:t>
-            </a:r>
-            <a:r>
-              <a:rPr lang="es-ES" sz="1800" dirty="0" smtClean="0">
-                <a:solidFill>
-                  <a:schemeClr val="dk1"/>
-                </a:solidFill>
-                <a:latin typeface="Calibri"/>
-                <a:ea typeface="Calibri"/>
-                <a:cs typeface="Calibri"/>
-                <a:sym typeface="Calibri"/>
-              </a:rPr>
-              <a:t> nuevas</a:t>
+              <a:t>Descubrir juegos y opiniones nuevas</a:t>
             </a:r>
             <a:r>
               <a:rPr lang="es-ES" sz="1800" dirty="0">
@@ -16280,6 +16286,13 @@
   <p:clrMapOvr>
     <a:masterClrMapping/>
   </p:clrMapOvr>
+  <p:timing>
+    <p:tnLst>
+      <p:par>
+        <p:cTn id="1" dur="indefinite" restart="never" nodeType="tmRoot"/>
+      </p:par>
+    </p:tnLst>
+  </p:timing>
 </p:sld>
 </file>
 
@@ -17335,6 +17348,13 @@
   <p:clrMapOvr>
     <a:masterClrMapping/>
   </p:clrMapOvr>
+  <p:timing>
+    <p:tnLst>
+      <p:par>
+        <p:cTn id="1" dur="indefinite" restart="never" nodeType="tmRoot"/>
+      </p:par>
+    </p:tnLst>
+  </p:timing>
 </p:sld>
 </file>
 
@@ -21629,6 +21649,13 @@
   <p:clrMapOvr>
     <a:masterClrMapping/>
   </p:clrMapOvr>
+  <p:timing>
+    <p:tnLst>
+      <p:par>
+        <p:cTn id="1" dur="indefinite" restart="never" nodeType="tmRoot"/>
+      </p:par>
+    </p:tnLst>
+  </p:timing>
 </p:sld>
 </file>
 
@@ -21684,7 +21711,7 @@
               <a:buNone/>
             </a:pPr>
             <a:r>
-              <a:rPr lang="es-ES" sz="2000" b="1">
+              <a:rPr lang="es-ES" sz="2000" b="1" dirty="0">
                 <a:solidFill>
                   <a:srgbClr val="FF0000"/>
                 </a:solidFill>
@@ -21695,7 +21722,7 @@
               </a:rPr>
               <a:t>JOURNEY MAP SCENARIOS TEMPLATE</a:t>
             </a:r>
-            <a:endParaRPr/>
+            <a:endParaRPr dirty="0"/>
           </a:p>
           <a:p>
             <a:pPr marL="0" marR="0" lvl="0" indent="0" algn="l" rtl="0">
@@ -21707,7 +21734,7 @@
               </a:spcAft>
               <a:buNone/>
             </a:pPr>
-            <a:endParaRPr sz="1800">
+            <a:endParaRPr sz="1800" dirty="0">
               <a:solidFill>
                 <a:schemeClr val="dk1"/>
               </a:solidFill>
@@ -24633,19 +24660,7 @@
                 <a:cs typeface="Calibri"/>
                 <a:sym typeface="Calibri"/>
               </a:rPr>
-              <a:t>Tengo que opinar sobre este jueg</a:t>
-            </a:r>
-            <a:r>
-              <a:rPr lang="es-ES" sz="1200" dirty="0" smtClean="0">
-                <a:solidFill>
-                  <a:schemeClr val="dk1"/>
-                </a:solidFill>
-                <a:latin typeface="Calibri"/>
-                <a:ea typeface="Calibri"/>
-                <a:cs typeface="Calibri"/>
-                <a:sym typeface="Calibri"/>
-              </a:rPr>
-              <a:t>o.</a:t>
+              <a:t>Tengo que opinar sobre este juego.</a:t>
             </a:r>
             <a:endParaRPr dirty="0"/>
           </a:p>
@@ -24931,6 +24946,114 @@
   <p:clrMapOvr>
     <a:masterClrMapping/>
   </p:clrMapOvr>
+  <p:timing>
+    <p:tnLst>
+      <p:par>
+        <p:cTn id="1" dur="indefinite" restart="never" nodeType="tmRoot"/>
+      </p:par>
+    </p:tnLst>
+  </p:timing>
+</p:sld>
+</file>
+
+<file path=ppt/slides/slide7.xml><?xml version="1.0" encoding="utf-8"?>
+<p:sld xmlns:a="http://schemas.openxmlformats.org/drawingml/2006/main" xmlns:r="http://schemas.openxmlformats.org/officeDocument/2006/relationships" xmlns:p="http://schemas.openxmlformats.org/presentationml/2006/main">
+  <p:cSld>
+    <p:spTree>
+      <p:nvGrpSpPr>
+        <p:cNvPr id="1" name=""/>
+        <p:cNvGrpSpPr/>
+        <p:nvPr/>
+      </p:nvGrpSpPr>
+      <p:grpSpPr>
+        <a:xfrm>
+          <a:off x="0" y="0"/>
+          <a:ext cx="0" cy="0"/>
+          <a:chOff x="0" y="0"/>
+          <a:chExt cx="0" cy="0"/>
+        </a:xfrm>
+      </p:grpSpPr>
+      <p:sp>
+        <p:nvSpPr>
+          <p:cNvPr id="2" name="Título 1"/>
+          <p:cNvSpPr>
+            <a:spLocks noGrp="1"/>
+          </p:cNvSpPr>
+          <p:nvPr>
+            <p:ph type="title"/>
+          </p:nvPr>
+        </p:nvSpPr>
+        <p:spPr/>
+        <p:txBody>
+          <a:bodyPr/>
+          <a:lstStyle/>
+          <a:p>
+            <a:r>
+              <a:rPr lang="es-ES" sz="2000" b="1" dirty="0" smtClean="0">
+                <a:solidFill>
+                  <a:srgbClr val="FF0000"/>
+                </a:solidFill>
+              </a:rPr>
+              <a:t>FLOWS</a:t>
+            </a:r>
+            <a:r>
+              <a:rPr lang="es-ES" dirty="0"/>
+              <a:t/>
+            </a:r>
+            <a:br>
+              <a:rPr lang="es-ES" dirty="0"/>
+            </a:br>
+            <a:endParaRPr lang="es-ES" dirty="0"/>
+          </a:p>
+        </p:txBody>
+      </p:sp>
+      <p:pic>
+        <p:nvPicPr>
+          <p:cNvPr id="4" name="Imagen 3"/>
+          <p:cNvPicPr>
+            <a:picLocks noChangeAspect="1"/>
+          </p:cNvPicPr>
+          <p:nvPr/>
+        </p:nvPicPr>
+        <p:blipFill>
+          <a:blip r:embed="rId2">
+            <a:extLst>
+              <a:ext uri="{28A0092B-C50C-407E-A947-70E740481C1C}">
+                <a14:useLocalDpi xmlns:a14="http://schemas.microsoft.com/office/drawing/2010/main" val="0"/>
+              </a:ext>
+            </a:extLst>
+          </a:blip>
+          <a:stretch>
+            <a:fillRect/>
+          </a:stretch>
+        </p:blipFill>
+        <p:spPr>
+          <a:xfrm>
+            <a:off x="592331" y="1027906"/>
+            <a:ext cx="12367329" cy="5605772"/>
+          </a:xfrm>
+          <a:prstGeom prst="rect">
+            <a:avLst/>
+          </a:prstGeom>
+        </p:spPr>
+      </p:pic>
+    </p:spTree>
+    <p:extLst>
+      <p:ext uri="{BB962C8B-B14F-4D97-AF65-F5344CB8AC3E}">
+        <p14:creationId xmlns:p14="http://schemas.microsoft.com/office/powerpoint/2010/main" val="1210319515"/>
+      </p:ext>
+    </p:extLst>
+  </p:cSld>
+  <p:clrMapOvr>
+    <a:masterClrMapping/>
+  </p:clrMapOvr>
+  <p:timing>
+    <p:tnLst>
+      <p:par>
+        <p:cTn id="1" dur="indefinite" restart="never" nodeType="tmRoot"/>
+      </p:par>
+    </p:tnLst>
+  </p:timing>
 </p:sld>
 </file>
 

--- a/Estilos/Scrum/Scrum_Gamedia.pptx
+++ b/Estilos/Scrum/Scrum_Gamedia.pptx
@@ -253,7 +253,7 @@
       <p15:sldGuideLst xmlns:p15="http://schemas.microsoft.com/office/powerpoint/2012/main"/>
     </p:ext>
     <p:ext uri="http://customooxmlschemas.google.com/">
-      <go:slidesCustomData xmlns="" xmlns:mc="http://schemas.openxmlformats.org/markup-compatibility/2006" xmlns:mv="urn:schemas-microsoft-com:mac:vml" xmlns:c="http://schemas.openxmlformats.org/drawingml/2006/chart" xmlns:dgm="http://schemas.openxmlformats.org/drawingml/2006/diagram" xmlns:o="urn:schemas-microsoft-com:office:office" xmlns:v="urn:schemas-microsoft-com:vml" xmlns:pvml="urn:schemas-microsoft-com:office:powerpoint" xmlns:com="http://schemas.openxmlformats.org/drawingml/2006/compatibility" xmlns:p14="http://schemas.microsoft.com/office/powerpoint/2010/main" xmlns:p15="http://schemas.microsoft.com/office/powerpoint/2012/main" xmlns:ahyp="http://schemas.microsoft.com/office/drawing/2018/hyperlinkcolor" xmlns:go="http://customooxmlschemas.google.com/" r:id="rId22" roundtripDataSignature="AMtx7mjc5BVab5jJEaOHwvPZsgTDMBYY3g=="/>
+      <go:slidesCustomData xmlns:go="http://customooxmlschemas.google.com/" xmlns:ahyp="http://schemas.microsoft.com/office/drawing/2018/hyperlinkcolor" xmlns:p15="http://schemas.microsoft.com/office/powerpoint/2012/main" xmlns:p14="http://schemas.microsoft.com/office/powerpoint/2010/main" xmlns:com="http://schemas.openxmlformats.org/drawingml/2006/compatibility" xmlns:pvml="urn:schemas-microsoft-com:office:powerpoint" xmlns:v="urn:schemas-microsoft-com:vml" xmlns:o="urn:schemas-microsoft-com:office:office" xmlns:dgm="http://schemas.openxmlformats.org/drawingml/2006/diagram" xmlns:c="http://schemas.openxmlformats.org/drawingml/2006/chart" xmlns:mv="urn:schemas-microsoft-com:mac:vml" xmlns:mc="http://schemas.openxmlformats.org/markup-compatibility/2006" xmlns="" r:id="rId22" roundtripDataSignature="AMtx7mjc5BVab5jJEaOHwvPZsgTDMBYY3g=="/>
     </p:ext>
   </p:extLst>
 </p:presentation>
@@ -2162,6 +2162,115 @@
     <p:extLst>
       <p:ext uri="{BB962C8B-B14F-4D97-AF65-F5344CB8AC3E}">
         <p14:creationId xmlns:p14="http://schemas.microsoft.com/office/powerpoint/2010/main" val="4131819829"/>
+      </p:ext>
+    </p:extLst>
+  </p:cSld>
+  <p:clrMapOvr>
+    <a:masterClrMapping/>
+  </p:clrMapOvr>
+</p:notes>
+</file>
+
+<file path=ppt/notesSlides/notesSlide7.xml><?xml version="1.0" encoding="utf-8"?>
+<p:notes xmlns:a="http://schemas.openxmlformats.org/drawingml/2006/main" xmlns:r="http://schemas.openxmlformats.org/officeDocument/2006/relationships" xmlns:p="http://schemas.openxmlformats.org/presentationml/2006/main">
+  <p:cSld>
+    <p:spTree>
+      <p:nvGrpSpPr>
+        <p:cNvPr id="1" name=""/>
+        <p:cNvGrpSpPr/>
+        <p:nvPr/>
+      </p:nvGrpSpPr>
+      <p:grpSpPr>
+        <a:xfrm>
+          <a:off x="0" y="0"/>
+          <a:ext cx="0" cy="0"/>
+          <a:chOff x="0" y="0"/>
+          <a:chExt cx="0" cy="0"/>
+        </a:xfrm>
+      </p:grpSpPr>
+      <p:sp>
+        <p:nvSpPr>
+          <p:cNvPr id="2" name="Marcador de imagen de diapositiva 1"/>
+          <p:cNvSpPr>
+            <a:spLocks noGrp="1" noRot="1" noChangeAspect="1"/>
+          </p:cNvSpPr>
+          <p:nvPr>
+            <p:ph type="sldImg"/>
+          </p:nvPr>
+        </p:nvSpPr>
+        <p:spPr/>
+      </p:sp>
+      <p:sp>
+        <p:nvSpPr>
+          <p:cNvPr id="3" name="Marcador de notas 2"/>
+          <p:cNvSpPr>
+            <a:spLocks noGrp="1"/>
+          </p:cNvSpPr>
+          <p:nvPr>
+            <p:ph type="body" idx="1"/>
+          </p:nvPr>
+        </p:nvSpPr>
+        <p:spPr/>
+        <p:txBody>
+          <a:bodyPr/>
+          <a:lstStyle/>
+          <a:p>
+            <a:endParaRPr lang="es-ES" dirty="0"/>
+          </a:p>
+        </p:txBody>
+      </p:sp>
+      <p:sp>
+        <p:nvSpPr>
+          <p:cNvPr id="4" name="Marcador de número de diapositiva 3"/>
+          <p:cNvSpPr>
+            <a:spLocks noGrp="1"/>
+          </p:cNvSpPr>
+          <p:nvPr>
+            <p:ph type="sldNum" idx="10"/>
+          </p:nvPr>
+        </p:nvSpPr>
+        <p:spPr/>
+        <p:txBody>
+          <a:bodyPr/>
+          <a:lstStyle/>
+          <a:p>
+            <a:pPr marL="0" marR="0" lvl="0" indent="0" algn="r" rtl="0">
+              <a:spcBef>
+                <a:spcPts val="0"/>
+              </a:spcBef>
+              <a:spcAft>
+                <a:spcPts val="0"/>
+              </a:spcAft>
+              <a:buNone/>
+            </a:pPr>
+            <a:fld id="{00000000-1234-1234-1234-123412341234}" type="slidenum">
+              <a:rPr lang="es-ES" sz="1200" b="0" i="0" u="none" strike="noStrike" cap="none" smtClean="0">
+                <a:solidFill>
+                  <a:schemeClr val="dk1"/>
+                </a:solidFill>
+                <a:latin typeface="Calibri"/>
+                <a:ea typeface="Calibri"/>
+                <a:cs typeface="Calibri"/>
+                <a:sym typeface="Calibri"/>
+              </a:rPr>
+              <a:t>7</a:t>
+            </a:fld>
+            <a:endParaRPr lang="es-ES" sz="1200" b="0" i="0" u="none" strike="noStrike" cap="none">
+              <a:solidFill>
+                <a:schemeClr val="dk1"/>
+              </a:solidFill>
+              <a:latin typeface="Calibri"/>
+              <a:ea typeface="Calibri"/>
+              <a:cs typeface="Calibri"/>
+              <a:sym typeface="Calibri"/>
+            </a:endParaRPr>
+          </a:p>
+        </p:txBody>
+      </p:sp>
+    </p:spTree>
+    <p:extLst>
+      <p:ext uri="{BB962C8B-B14F-4D97-AF65-F5344CB8AC3E}">
+        <p14:creationId xmlns:p14="http://schemas.microsoft.com/office/powerpoint/2010/main" val="429035483"/>
       </p:ext>
     </p:extLst>
   </p:cSld>
@@ -25016,7 +25125,7 @@
           <p:nvPr/>
         </p:nvPicPr>
         <p:blipFill>
-          <a:blip r:embed="rId2">
+          <a:blip r:embed="rId3">
             <a:extLst>
               <a:ext uri="{28A0092B-C50C-407E-A947-70E740481C1C}">
                 <a14:useLocalDpi xmlns:a14="http://schemas.microsoft.com/office/drawing/2010/main" val="0"/>
@@ -25031,6 +25140,36 @@
           <a:xfrm>
             <a:off x="592331" y="1027906"/>
             <a:ext cx="12367329" cy="5605772"/>
+          </a:xfrm>
+          <a:prstGeom prst="rect">
+            <a:avLst/>
+          </a:prstGeom>
+        </p:spPr>
+      </p:pic>
+      <p:pic>
+        <p:nvPicPr>
+          <p:cNvPr id="5" name="Imagen 4"/>
+          <p:cNvPicPr>
+            <a:picLocks noChangeAspect="1"/>
+          </p:cNvPicPr>
+          <p:nvPr/>
+        </p:nvPicPr>
+        <p:blipFill>
+          <a:blip r:embed="rId4">
+            <a:extLst>
+              <a:ext uri="{28A0092B-C50C-407E-A947-70E740481C1C}">
+                <a14:useLocalDpi xmlns:a14="http://schemas.microsoft.com/office/drawing/2010/main" val="0"/>
+              </a:ext>
+            </a:extLst>
+          </a:blip>
+          <a:stretch>
+            <a:fillRect/>
+          </a:stretch>
+        </p:blipFill>
+        <p:spPr>
+          <a:xfrm>
+            <a:off x="10279902" y="5391510"/>
+            <a:ext cx="2539682" cy="2539682"/>
           </a:xfrm>
           <a:prstGeom prst="rect">
             <a:avLst/>

--- a/Estilos/Scrum/Scrum_Gamedia.pptx
+++ b/Estilos/Scrum/Scrum_Gamedia.pptx
@@ -10,7 +10,7 @@
   </p:notesMasterIdLst>
   <p:sldIdLst>
     <p:sldId id="256" r:id="rId3"/>
-    <p:sldId id="257" r:id="rId4"/>
+    <p:sldId id="264" r:id="rId4"/>
     <p:sldId id="258" r:id="rId5"/>
     <p:sldId id="259" r:id="rId6"/>
     <p:sldId id="260" r:id="rId7"/>
@@ -253,7 +253,7 @@
       <p15:sldGuideLst xmlns:p15="http://schemas.microsoft.com/office/powerpoint/2012/main"/>
     </p:ext>
     <p:ext uri="http://customooxmlschemas.google.com/">
-      <go:slidesCustomData xmlns:go="http://customooxmlschemas.google.com/" xmlns:ahyp="http://schemas.microsoft.com/office/drawing/2018/hyperlinkcolor" xmlns:p15="http://schemas.microsoft.com/office/powerpoint/2012/main" xmlns:p14="http://schemas.microsoft.com/office/powerpoint/2010/main" xmlns:com="http://schemas.openxmlformats.org/drawingml/2006/compatibility" xmlns:pvml="urn:schemas-microsoft-com:office:powerpoint" xmlns:v="urn:schemas-microsoft-com:vml" xmlns:o="urn:schemas-microsoft-com:office:office" xmlns:dgm="http://schemas.openxmlformats.org/drawingml/2006/diagram" xmlns:c="http://schemas.openxmlformats.org/drawingml/2006/chart" xmlns:mv="urn:schemas-microsoft-com:mac:vml" xmlns:mc="http://schemas.openxmlformats.org/markup-compatibility/2006" xmlns="" r:id="rId22" roundtripDataSignature="AMtx7mjc5BVab5jJEaOHwvPZsgTDMBYY3g=="/>
+      <go:slidesCustomData xmlns="" xmlns:mc="http://schemas.openxmlformats.org/markup-compatibility/2006" xmlns:mv="urn:schemas-microsoft-com:mac:vml" xmlns:c="http://schemas.openxmlformats.org/drawingml/2006/chart" xmlns:dgm="http://schemas.openxmlformats.org/drawingml/2006/diagram" xmlns:o="urn:schemas-microsoft-com:office:office" xmlns:v="urn:schemas-microsoft-com:vml" xmlns:pvml="urn:schemas-microsoft-com:office:powerpoint" xmlns:com="http://schemas.openxmlformats.org/drawingml/2006/compatibility" xmlns:p14="http://schemas.microsoft.com/office/powerpoint/2010/main" xmlns:p15="http://schemas.microsoft.com/office/powerpoint/2012/main" xmlns:ahyp="http://schemas.microsoft.com/office/drawing/2018/hyperlinkcolor" xmlns:go="http://customooxmlschemas.google.com/" r:id="rId22" roundtripDataSignature="AMtx7mjc5BVab5jJEaOHwvPZsgTDMBYY3g=="/>
     </p:ext>
   </p:extLst>
 </p:presentation>
@@ -1665,7 +1665,7 @@
     </p:spTree>
     <p:extLst>
       <p:ext uri="{BB962C8B-B14F-4D97-AF65-F5344CB8AC3E}">
-        <p14:creationId xmlns:p14="http://schemas.microsoft.com/office/powerpoint/2010/main" val="1326067565"/>
+        <p14:creationId xmlns:p14="http://schemas.microsoft.com/office/powerpoint/2010/main" val="883566682"/>
       </p:ext>
     </p:extLst>
   </p:cSld>
@@ -15017,7 +15017,7 @@
                 <a:solidFill>
                   <a:schemeClr val="lt1"/>
                 </a:solidFill>
-                <a:latin typeface="Aharoni"/>
+                <a:latin typeface="Comfortaa" pitchFamily="2" charset="0"/>
                 <a:ea typeface="Aharoni"/>
                 <a:cs typeface="Aharoni"/>
                 <a:sym typeface="Aharoni"/>
@@ -15043,7 +15043,7 @@
                 <a:solidFill>
                   <a:schemeClr val="lt1"/>
                 </a:solidFill>
-                <a:latin typeface="Aharoni"/>
+                <a:latin typeface="Comfortaa" pitchFamily="2" charset="0"/>
                 <a:ea typeface="Aharoni"/>
                 <a:cs typeface="Aharoni"/>
                 <a:sym typeface="Aharoni"/>
@@ -15054,7 +15054,7 @@
               <a:solidFill>
                 <a:schemeClr val="lt1"/>
               </a:solidFill>
-              <a:latin typeface="Aharoni"/>
+              <a:latin typeface="Comfortaa" pitchFamily="2" charset="0"/>
               <a:ea typeface="Aharoni"/>
               <a:cs typeface="Aharoni"/>
               <a:sym typeface="Aharoni"/>
@@ -15314,7 +15314,7 @@
           <p:nvPr>
             <p:extLst>
               <p:ext uri="{D42A27DB-BD31-4B8C-83A1-F6EECF244321}">
-                <p14:modId xmlns:p14="http://schemas.microsoft.com/office/powerpoint/2010/main" val="3081807440"/>
+                <p14:modId xmlns:p14="http://schemas.microsoft.com/office/powerpoint/2010/main" val="428168990"/>
               </p:ext>
             </p:extLst>
           </p:nvPr>
@@ -15349,12 +15349,12 @@
                         <a:buNone/>
                       </a:pPr>
                       <a:r>
-                        <a:rPr lang="es-ES" sz="1800" u="none" strike="noStrike" cap="none" dirty="0"/>
-                        <a:t>Business </a:t>
+                        <a:rPr lang="es-ES" sz="1800" u="none" strike="noStrike" cap="none" dirty="0" smtClean="0"/>
+                        <a:t>Metas</a:t>
                       </a:r>
                       <a:r>
-                        <a:rPr lang="es-ES" sz="1800" u="none" strike="noStrike" cap="none" dirty="0" err="1"/>
-                        <a:t>Goals</a:t>
+                        <a:rPr lang="es-ES" sz="1800" u="none" strike="noStrike" cap="none" baseline="0" dirty="0" smtClean="0"/>
+                        <a:t> de la Empresa</a:t>
                       </a:r>
                       <a:endParaRPr sz="1800" u="none" strike="noStrike" cap="none" dirty="0"/>
                     </a:p>
@@ -15376,16 +15376,12 @@
                         <a:buNone/>
                       </a:pPr>
                       <a:r>
-                        <a:rPr lang="es-ES" sz="1800" u="none" strike="noStrike" cap="none" dirty="0" err="1"/>
-                        <a:t>User's</a:t>
+                        <a:rPr lang="es-ES" sz="1800" u="none" strike="noStrike" cap="none" dirty="0" smtClean="0"/>
+                        <a:t>Metas</a:t>
                       </a:r>
                       <a:r>
-                        <a:rPr lang="es-ES" sz="1800" u="none" strike="noStrike" cap="none" dirty="0"/>
-                        <a:t> </a:t>
-                      </a:r>
-                      <a:r>
-                        <a:rPr lang="es-ES" sz="1800" u="none" strike="noStrike" cap="none" dirty="0" err="1"/>
-                        <a:t>Goals</a:t>
+                        <a:rPr lang="es-ES" sz="1800" u="none" strike="noStrike" cap="none" baseline="0" dirty="0" smtClean="0"/>
+                        <a:t> de los Usuarios</a:t>
                       </a:r>
                       <a:endParaRPr sz="1800" u="none" strike="noStrike" cap="none" dirty="0"/>
                     </a:p>
@@ -15657,9 +15653,12 @@
                       </a:r>
                       <a:r>
                         <a:rPr lang="es-ES" sz="1800" dirty="0"/>
-                        <a:t>fácil de usar </a:t>
+                        <a:t>fácil de </a:t>
                       </a:r>
-                      <a:endParaRPr lang="es-ES" sz="1800" dirty="0" smtClean="0"/>
+                      <a:r>
+                        <a:rPr lang="es-ES" sz="1800" dirty="0" smtClean="0"/>
+                        <a:t>usar</a:t>
+                      </a:r>
                     </a:p>
                     <a:p>
                       <a:pPr marL="285750" marR="0" lvl="0" indent="-285750" algn="l" rtl="0">
@@ -15678,29 +15677,8 @@
                       </a:pPr>
                       <a:r>
                         <a:rPr lang="es-ES" sz="1800" dirty="0" smtClean="0"/>
-                        <a:t>Conocer</a:t>
+                        <a:t>Disfrutar</a:t>
                       </a:r>
-                      <a:r>
-                        <a:rPr lang="es-ES" sz="1800" baseline="0" dirty="0" smtClean="0"/>
-                        <a:t> gente</a:t>
-                      </a:r>
-                      <a:endParaRPr lang="es-ES" sz="1800" dirty="0" smtClean="0"/>
-                    </a:p>
-                    <a:p>
-                      <a:pPr marL="285750" marR="0" lvl="0" indent="-285750" algn="l" rtl="0">
-                        <a:spcBef>
-                          <a:spcPts val="0"/>
-                        </a:spcBef>
-                        <a:spcAft>
-                          <a:spcPts val="0"/>
-                        </a:spcAft>
-                        <a:buClr>
-                          <a:schemeClr val="dk1"/>
-                        </a:buClr>
-                        <a:buSzPts val="1800"/>
-                        <a:buFont typeface="Arial"/>
-                        <a:buChar char="•"/>
-                      </a:pPr>
                       <a:endParaRPr dirty="0"/>
                     </a:p>
                     <a:p>
@@ -15804,6 +15782,11 @@
         </p:spPr>
       </p:pic>
     </p:spTree>
+    <p:extLst>
+      <p:ext uri="{BB962C8B-B14F-4D97-AF65-F5344CB8AC3E}">
+        <p14:creationId xmlns:p14="http://schemas.microsoft.com/office/powerpoint/2010/main" val="1873969835"/>
+      </p:ext>
+    </p:extLst>
   </p:cSld>
   <p:clrMapOvr>
     <a:masterClrMapping/>
@@ -15869,14 +15852,14 @@
           <p:nvPr>
             <p:extLst>
               <p:ext uri="{D42A27DB-BD31-4B8C-83A1-F6EECF244321}">
-                <p14:modId xmlns:p14="http://schemas.microsoft.com/office/powerpoint/2010/main" val="394423773"/>
+                <p14:modId xmlns:p14="http://schemas.microsoft.com/office/powerpoint/2010/main" val="760815009"/>
               </p:ext>
             </p:extLst>
           </p:nvPr>
         </p:nvGraphicFramePr>
         <p:xfrm>
           <a:off x="97972" y="4796161"/>
-          <a:ext cx="5998050" cy="1952175"/>
+          <a:ext cx="5998050" cy="2060550"/>
         </p:xfrm>
         <a:graphic>
           <a:graphicData uri="http://schemas.openxmlformats.org/drawingml/2006/table">
@@ -15904,8 +15887,8 @@
                         <a:buNone/>
                       </a:pPr>
                       <a:r>
-                        <a:rPr lang="es-ES" sz="1800" dirty="0"/>
-                        <a:t>PAIN</a:t>
+                        <a:rPr lang="es-ES" sz="1800" dirty="0" smtClean="0"/>
+                        <a:t>PREOCUPACIONES</a:t>
                       </a:r>
                       <a:endParaRPr dirty="0"/>
                     </a:p>
@@ -15927,8 +15910,8 @@
                         <a:buNone/>
                       </a:pPr>
                       <a:r>
-                        <a:rPr lang="es-ES" sz="1800" dirty="0"/>
-                        <a:t>GAINS</a:t>
+                        <a:rPr lang="es-ES" sz="1800" dirty="0" smtClean="0"/>
+                        <a:t>GANANCIAS</a:t>
                       </a:r>
                       <a:endParaRPr dirty="0"/>
                     </a:p>
@@ -15942,6 +15925,36 @@
                     <a:bodyPr/>
                     <a:lstStyle/>
                     <a:p>
+                      <a:pPr marL="0" marR="0" lvl="0" indent="0" algn="l" defTabSz="914400" rtl="0" eaLnBrk="1" fontAlgn="auto" latinLnBrk="0" hangingPunct="1">
+                        <a:lnSpc>
+                          <a:spcPct val="100000"/>
+                        </a:lnSpc>
+                        <a:spcBef>
+                          <a:spcPts val="0"/>
+                        </a:spcBef>
+                        <a:spcAft>
+                          <a:spcPts val="0"/>
+                        </a:spcAft>
+                        <a:buClr>
+                          <a:srgbClr val="000000"/>
+                        </a:buClr>
+                        <a:buSzTx/>
+                        <a:buFont typeface="Arial"/>
+                        <a:buNone/>
+                        <a:tabLst/>
+                        <a:defRPr/>
+                      </a:pPr>
+                      <a:r>
+                        <a:rPr lang="es-ES" sz="1800" dirty="0" smtClean="0"/>
+                        <a:t>El</a:t>
+                      </a:r>
+                      <a:r>
+                        <a:rPr lang="es-ES" sz="1800" baseline="0" dirty="0" smtClean="0"/>
+                        <a:t> usuario busca un juego que no tiene información y no quiere malgastar su dinero.</a:t>
+                      </a:r>
+                      <a:endParaRPr lang="es-ES" sz="1800" dirty="0" smtClean="0"/>
+                    </a:p>
+                    <a:p>
                       <a:pPr marL="0" marR="0" lvl="0" indent="0" algn="l" rtl="0">
                         <a:spcBef>
                           <a:spcPts val="0"/>
@@ -15951,18 +15964,6 @@
                         </a:spcAft>
                         <a:buNone/>
                       </a:pPr>
-                      <a:r>
-                        <a:rPr lang="es-ES" sz="1800" dirty="0"/>
-                        <a:t>Nuevas experiencias, </a:t>
-                      </a:r>
-                      <a:r>
-                        <a:rPr lang="es-ES" sz="1800" dirty="0" smtClean="0"/>
-                        <a:t>nuevos</a:t>
-                      </a:r>
-                      <a:r>
-                        <a:rPr lang="es-ES" sz="1800" baseline="0" dirty="0" smtClean="0"/>
-                        <a:t> juegos, opiniones nuevas, conocimiento de juegos </a:t>
-                      </a:r>
                       <a:endParaRPr sz="1800" dirty="0"/>
                     </a:p>
                   </a:txBody>
@@ -15973,6 +15974,36 @@
                     <a:bodyPr/>
                     <a:lstStyle/>
                     <a:p>
+                      <a:pPr marL="0" marR="0" lvl="0" indent="0" algn="l" defTabSz="914400" rtl="0" eaLnBrk="1" fontAlgn="auto" latinLnBrk="0" hangingPunct="1">
+                        <a:lnSpc>
+                          <a:spcPct val="100000"/>
+                        </a:lnSpc>
+                        <a:spcBef>
+                          <a:spcPts val="0"/>
+                        </a:spcBef>
+                        <a:spcAft>
+                          <a:spcPts val="0"/>
+                        </a:spcAft>
+                        <a:buClr>
+                          <a:srgbClr val="000000"/>
+                        </a:buClr>
+                        <a:buSzTx/>
+                        <a:buFont typeface="Arial"/>
+                        <a:buNone/>
+                        <a:tabLst/>
+                        <a:defRPr/>
+                      </a:pPr>
+                      <a:r>
+                        <a:rPr lang="es-ES" sz="1800" dirty="0" smtClean="0"/>
+                        <a:t>Nuevas experiencias, nuevos</a:t>
+                      </a:r>
+                      <a:r>
+                        <a:rPr lang="es-ES" sz="1800" baseline="0" dirty="0" smtClean="0"/>
+                        <a:t> juegos, opiniones nuevas, conocimiento de juegos.</a:t>
+                      </a:r>
+                      <a:endParaRPr lang="es-ES" sz="1800" dirty="0" smtClean="0"/>
+                    </a:p>
+                    <a:p>
                       <a:pPr marL="0" marR="0" lvl="0" indent="0" algn="l" rtl="0">
                         <a:spcBef>
                           <a:spcPts val="0"/>
@@ -15982,14 +16013,6 @@
                         </a:spcAft>
                         <a:buNone/>
                       </a:pPr>
-                      <a:r>
-                        <a:rPr lang="es-ES" sz="1800" dirty="0" smtClean="0"/>
-                        <a:t>El</a:t>
-                      </a:r>
-                      <a:r>
-                        <a:rPr lang="es-ES" sz="1800" baseline="0" dirty="0" smtClean="0"/>
-                        <a:t> usuario busca un juego que no tenemos.</a:t>
-                      </a:r>
                       <a:endParaRPr dirty="0"/>
                     </a:p>
                   </a:txBody>
@@ -16198,7 +16221,31 @@
                 <a:cs typeface="Calibri"/>
                 <a:sym typeface="Calibri"/>
               </a:rPr>
-              <a:t>No tener juegos nuevos o suficiente conocimiento para seleccionar un juegos nuevo para jugar.</a:t>
+              <a:t>No tener juegos nuevos o suficiente conocimiento para seleccionar un </a:t>
+            </a:r>
+            <a:r>
+              <a:rPr lang="es-ES" sz="1800" dirty="0" smtClean="0">
+                <a:solidFill>
+                  <a:schemeClr val="dk1"/>
+                </a:solidFill>
+                <a:latin typeface="Calibri"/>
+                <a:ea typeface="Calibri"/>
+                <a:cs typeface="Calibri"/>
+                <a:sym typeface="Calibri"/>
+              </a:rPr>
+              <a:t>juego </a:t>
+            </a:r>
+            <a:r>
+              <a:rPr lang="es-ES" sz="1800" dirty="0" smtClean="0">
+                <a:solidFill>
+                  <a:schemeClr val="dk1"/>
+                </a:solidFill>
+                <a:latin typeface="Calibri"/>
+                <a:ea typeface="Calibri"/>
+                <a:cs typeface="Calibri"/>
+                <a:sym typeface="Calibri"/>
+              </a:rPr>
+              <a:t>nuevo para jugar.</a:t>
             </a:r>
             <a:endParaRPr dirty="0"/>
           </a:p>
@@ -18245,18 +18292,17 @@
                 <a:buNone/>
               </a:pPr>
               <a:r>
-                <a:rPr lang="es-ES" sz="1300">
+                <a:rPr lang="es-ES" sz="1300" dirty="0" smtClean="0">
                   <a:solidFill>
                     <a:schemeClr val="lt1"/>
                   </a:solidFill>
                   <a:latin typeface="Calibri"/>
-                  <a:ea typeface="Calibri"/>
                   <a:cs typeface="Calibri"/>
                   <a:sym typeface="Calibri"/>
                 </a:rPr>
-                <a:t>USER GOALS</a:t>
+                <a:t>Metas de usuarios</a:t>
               </a:r>
-              <a:endParaRPr/>
+              <a:endParaRPr dirty="0"/>
             </a:p>
           </p:txBody>
         </p:sp>
@@ -18925,7 +18971,7 @@
                 <a:buNone/>
               </a:pPr>
               <a:r>
-                <a:rPr lang="es-ES" sz="1300">
+                <a:rPr lang="es-ES" sz="1300" dirty="0" smtClean="0">
                   <a:solidFill>
                     <a:schemeClr val="lt1"/>
                   </a:solidFill>
@@ -18934,9 +18980,33 @@
                   <a:cs typeface="Calibri"/>
                   <a:sym typeface="Calibri"/>
                 </a:rPr>
-                <a:t>DETAILS / ENVIRONMENT</a:t>
+                <a:t>DETALLES </a:t>
               </a:r>
-              <a:endParaRPr/>
+              <a:r>
+                <a:rPr lang="es-ES" sz="1300" dirty="0">
+                  <a:solidFill>
+                    <a:schemeClr val="lt1"/>
+                  </a:solidFill>
+                  <a:latin typeface="Calibri"/>
+                  <a:ea typeface="Calibri"/>
+                  <a:cs typeface="Calibri"/>
+                  <a:sym typeface="Calibri"/>
+                </a:rPr>
+                <a:t>/ </a:t>
+              </a:r>
+              <a:r>
+                <a:rPr lang="es-ES" sz="1300" dirty="0" smtClean="0">
+                  <a:solidFill>
+                    <a:schemeClr val="lt1"/>
+                  </a:solidFill>
+                  <a:latin typeface="Calibri"/>
+                  <a:ea typeface="Calibri"/>
+                  <a:cs typeface="Calibri"/>
+                  <a:sym typeface="Calibri"/>
+                </a:rPr>
+                <a:t>ENTORNO</a:t>
+              </a:r>
+              <a:endParaRPr dirty="0"/>
             </a:p>
           </p:txBody>
         </p:sp>
@@ -19502,7 +19572,7 @@
                 <a:buNone/>
               </a:pPr>
               <a:r>
-                <a:rPr lang="es-ES" sz="1200" dirty="0" err="1" smtClean="0">
+                <a:rPr lang="es-ES" sz="1200" dirty="0" smtClean="0">
                   <a:solidFill>
                     <a:schemeClr val="dk1"/>
                   </a:solidFill>
@@ -19511,7 +19581,7 @@
                   <a:cs typeface="Calibri"/>
                   <a:sym typeface="Calibri"/>
                 </a:rPr>
-                <a:t>Dejae</a:t>
+                <a:t>Dejar </a:t>
               </a:r>
               <a:r>
                 <a:rPr lang="es-ES" sz="1200" dirty="0" smtClean="0">
@@ -19523,7 +19593,7 @@
                   <a:cs typeface="Calibri"/>
                   <a:sym typeface="Calibri"/>
                 </a:rPr>
-                <a:t> una opinión del juego y valoración</a:t>
+                <a:t>una opinión del juego y valoración</a:t>
               </a:r>
               <a:endParaRPr dirty="0"/>
             </a:p>
@@ -19620,18 +19690,17 @@
                 <a:buNone/>
               </a:pPr>
               <a:r>
-                <a:rPr lang="es-ES" sz="1300">
+                <a:rPr lang="es-ES" sz="1300" dirty="0" smtClean="0">
                   <a:solidFill>
                     <a:schemeClr val="lt1"/>
                   </a:solidFill>
                   <a:latin typeface="Calibri"/>
-                  <a:ea typeface="Calibri"/>
                   <a:cs typeface="Calibri"/>
                   <a:sym typeface="Calibri"/>
                 </a:rPr>
-                <a:t>USER THOUGHTS</a:t>
+                <a:t>PENSAMIENTOS USUARIOS</a:t>
               </a:r>
-              <a:endParaRPr/>
+              <a:endParaRPr dirty="0"/>
             </a:p>
           </p:txBody>
         </p:sp>
@@ -20276,7 +20345,7 @@
                 <a:buNone/>
               </a:pPr>
               <a:r>
-                <a:rPr lang="es-ES" sz="1300">
+                <a:rPr lang="es-ES" sz="1300" dirty="0" smtClean="0">
                   <a:solidFill>
                     <a:schemeClr val="lt1"/>
                   </a:solidFill>
@@ -20285,9 +20354,9 @@
                   <a:cs typeface="Calibri"/>
                   <a:sym typeface="Calibri"/>
                 </a:rPr>
-                <a:t>EMOTIONS</a:t>
+                <a:t>EMOCIONES</a:t>
               </a:r>
-              <a:endParaRPr/>
+              <a:endParaRPr dirty="0"/>
             </a:p>
           </p:txBody>
         </p:sp>
@@ -20882,7 +20951,7 @@
           <p:spPr>
             <a:xfrm>
               <a:off x="1208593" y="5286833"/>
-              <a:ext cx="1390827" cy="927217"/>
+              <a:ext cx="1437649" cy="927217"/>
             </a:xfrm>
             <a:prstGeom prst="rect">
               <a:avLst/>
@@ -20916,7 +20985,7 @@
                 <a:buNone/>
               </a:pPr>
               <a:r>
-                <a:rPr lang="es-ES" sz="1300">
+                <a:rPr lang="es-ES" sz="1300" dirty="0">
                   <a:solidFill>
                     <a:schemeClr val="lt1"/>
                   </a:solidFill>
@@ -20925,9 +20994,33 @@
                   <a:cs typeface="Calibri"/>
                   <a:sym typeface="Calibri"/>
                 </a:rPr>
-                <a:t>IDEAS &amp; RECOMENDATIONS</a:t>
+                <a:t>IDEAS </a:t>
               </a:r>
-              <a:endParaRPr/>
+              <a:r>
+                <a:rPr lang="es-ES" sz="1300" dirty="0" smtClean="0">
+                  <a:solidFill>
+                    <a:schemeClr val="lt1"/>
+                  </a:solidFill>
+                  <a:latin typeface="Calibri"/>
+                  <a:ea typeface="Calibri"/>
+                  <a:cs typeface="Calibri"/>
+                  <a:sym typeface="Calibri"/>
+                </a:rPr>
+                <a:t>Y </a:t>
+              </a:r>
+              <a:r>
+                <a:rPr lang="es-ES" sz="1300" dirty="0" smtClean="0">
+                  <a:solidFill>
+                    <a:schemeClr val="lt1"/>
+                  </a:solidFill>
+                  <a:latin typeface="Calibri"/>
+                  <a:ea typeface="Calibri"/>
+                  <a:cs typeface="Calibri"/>
+                  <a:sym typeface="Calibri"/>
+                </a:rPr>
+                <a:t>RECOMENDACIONES</a:t>
+              </a:r>
+              <a:endParaRPr dirty="0"/>
             </a:p>
           </p:txBody>
         </p:sp>
@@ -21388,7 +21481,7 @@
                 <a:buNone/>
               </a:pPr>
               <a:r>
-                <a:rPr lang="es-ES" sz="1200" dirty="0">
+                <a:rPr lang="es-ES" sz="1200" dirty="0" smtClean="0">
                   <a:solidFill>
                     <a:schemeClr val="dk1"/>
                   </a:solidFill>
@@ -21397,7 +21490,7 @@
                   <a:cs typeface="Calibri"/>
                   <a:sym typeface="Calibri"/>
                 </a:rPr>
-                <a:t>Gran </a:t>
+                <a:t>Gran cantidad </a:t>
               </a:r>
               <a:r>
                 <a:rPr lang="es-ES" sz="1200" dirty="0" smtClean="0">
@@ -21972,7 +22065,7 @@
               <a:buNone/>
             </a:pPr>
             <a:r>
-              <a:rPr lang="es-ES" sz="1800" dirty="0" err="1">
+              <a:rPr lang="es-ES" sz="1800" dirty="0" smtClean="0">
                 <a:solidFill>
                   <a:schemeClr val="dk1"/>
                 </a:solidFill>
@@ -21981,19 +22074,7 @@
                 <a:cs typeface="Calibri"/>
                 <a:sym typeface="Calibri"/>
               </a:rPr>
-              <a:t>Problem</a:t>
-            </a:r>
-            <a:r>
-              <a:rPr lang="es-ES" sz="1800" dirty="0">
-                <a:solidFill>
-                  <a:schemeClr val="dk1"/>
-                </a:solidFill>
-                <a:latin typeface="Calibri"/>
-                <a:ea typeface="Calibri"/>
-                <a:cs typeface="Calibri"/>
-                <a:sym typeface="Calibri"/>
-              </a:rPr>
-              <a:t>:</a:t>
+              <a:t>Problema:</a:t>
             </a:r>
             <a:endParaRPr dirty="0"/>
           </a:p>
@@ -22063,7 +22144,7 @@
               <a:buNone/>
             </a:pPr>
             <a:r>
-              <a:rPr lang="es-ES" sz="1800" dirty="0" err="1">
+              <a:rPr lang="es-ES" sz="1800" dirty="0" smtClean="0">
                 <a:solidFill>
                   <a:schemeClr val="dk1"/>
                 </a:solidFill>
@@ -22072,43 +22153,7 @@
                 <a:cs typeface="Calibri"/>
                 <a:sym typeface="Calibri"/>
               </a:rPr>
-              <a:t>Desired</a:t>
-            </a:r>
-            <a:r>
-              <a:rPr lang="es-ES" sz="1800" dirty="0">
-                <a:solidFill>
-                  <a:schemeClr val="dk1"/>
-                </a:solidFill>
-                <a:latin typeface="Calibri"/>
-                <a:ea typeface="Calibri"/>
-                <a:cs typeface="Calibri"/>
-                <a:sym typeface="Calibri"/>
-              </a:rPr>
-              <a:t> </a:t>
-            </a:r>
-            <a:r>
-              <a:rPr lang="es-ES" sz="1800" dirty="0" err="1">
-                <a:solidFill>
-                  <a:schemeClr val="dk1"/>
-                </a:solidFill>
-                <a:latin typeface="Calibri"/>
-                <a:ea typeface="Calibri"/>
-                <a:cs typeface="Calibri"/>
-                <a:sym typeface="Calibri"/>
-              </a:rPr>
-              <a:t>Result</a:t>
-            </a:r>
-            <a:r>
-              <a:rPr lang="es-ES" sz="1800" dirty="0">
-                <a:solidFill>
-                  <a:schemeClr val="dk1"/>
-                </a:solidFill>
-                <a:latin typeface="Calibri"/>
-                <a:ea typeface="Calibri"/>
-                <a:cs typeface="Calibri"/>
-                <a:sym typeface="Calibri"/>
-              </a:rPr>
-              <a:t>:</a:t>
+              <a:t>Resultado Deseado:</a:t>
             </a:r>
             <a:endParaRPr dirty="0"/>
           </a:p>
@@ -22992,7 +23037,7 @@
               <a:buNone/>
             </a:pPr>
             <a:r>
-              <a:rPr lang="es-ES" sz="1800" dirty="0" err="1">
+              <a:rPr lang="es-ES" sz="1800" dirty="0" smtClean="0">
                 <a:solidFill>
                   <a:schemeClr val="dk1"/>
                 </a:solidFill>
@@ -23001,19 +23046,7 @@
                 <a:cs typeface="Calibri"/>
                 <a:sym typeface="Calibri"/>
               </a:rPr>
-              <a:t>Problem</a:t>
-            </a:r>
-            <a:r>
-              <a:rPr lang="es-ES" sz="1800" dirty="0">
-                <a:solidFill>
-                  <a:schemeClr val="dk1"/>
-                </a:solidFill>
-                <a:latin typeface="Calibri"/>
-                <a:ea typeface="Calibri"/>
-                <a:cs typeface="Calibri"/>
-                <a:sym typeface="Calibri"/>
-              </a:rPr>
-              <a:t>:</a:t>
+              <a:t>Problema:</a:t>
             </a:r>
             <a:endParaRPr dirty="0"/>
           </a:p>
@@ -23115,7 +23148,7 @@
               <a:buNone/>
             </a:pPr>
             <a:r>
-              <a:rPr lang="es-ES" sz="1800" dirty="0" err="1">
+              <a:rPr lang="es-ES" sz="1800" dirty="0" smtClean="0">
                 <a:solidFill>
                   <a:schemeClr val="dk1"/>
                 </a:solidFill>
@@ -23124,43 +23157,7 @@
                 <a:cs typeface="Calibri"/>
                 <a:sym typeface="Calibri"/>
               </a:rPr>
-              <a:t>Desired</a:t>
-            </a:r>
-            <a:r>
-              <a:rPr lang="es-ES" sz="1800" dirty="0">
-                <a:solidFill>
-                  <a:schemeClr val="dk1"/>
-                </a:solidFill>
-                <a:latin typeface="Calibri"/>
-                <a:ea typeface="Calibri"/>
-                <a:cs typeface="Calibri"/>
-                <a:sym typeface="Calibri"/>
-              </a:rPr>
-              <a:t> </a:t>
-            </a:r>
-            <a:r>
-              <a:rPr lang="es-ES" sz="1800" dirty="0" err="1">
-                <a:solidFill>
-                  <a:schemeClr val="dk1"/>
-                </a:solidFill>
-                <a:latin typeface="Calibri"/>
-                <a:ea typeface="Calibri"/>
-                <a:cs typeface="Calibri"/>
-                <a:sym typeface="Calibri"/>
-              </a:rPr>
-              <a:t>Result</a:t>
-            </a:r>
-            <a:r>
-              <a:rPr lang="es-ES" sz="1800" dirty="0">
-                <a:solidFill>
-                  <a:schemeClr val="dk1"/>
-                </a:solidFill>
-                <a:latin typeface="Calibri"/>
-                <a:ea typeface="Calibri"/>
-                <a:cs typeface="Calibri"/>
-                <a:sym typeface="Calibri"/>
-              </a:rPr>
-              <a:t>:</a:t>
+              <a:t>Resultado Deseado:</a:t>
             </a:r>
             <a:endParaRPr dirty="0"/>
           </a:p>
@@ -23992,18 +23989,6 @@
               <a:buNone/>
             </a:pPr>
             <a:r>
-              <a:rPr lang="es-ES" sz="1800" dirty="0" err="1">
-                <a:solidFill>
-                  <a:schemeClr val="dk1"/>
-                </a:solidFill>
-                <a:latin typeface="Calibri"/>
-                <a:ea typeface="Calibri"/>
-                <a:cs typeface="Calibri"/>
-                <a:sym typeface="Calibri"/>
-              </a:rPr>
-              <a:t>Problem</a:t>
-            </a:r>
-            <a:r>
               <a:rPr lang="es-ES" sz="1800" dirty="0" smtClean="0">
                 <a:solidFill>
                   <a:schemeClr val="dk1"/>
@@ -24013,8 +23998,17 @@
                 <a:cs typeface="Calibri"/>
                 <a:sym typeface="Calibri"/>
               </a:rPr>
-              <a:t>:</a:t>
+              <a:t>Problema:</a:t>
             </a:r>
+            <a:endParaRPr lang="es-ES" sz="1800" dirty="0" smtClean="0">
+              <a:solidFill>
+                <a:schemeClr val="dk1"/>
+              </a:solidFill>
+              <a:latin typeface="Calibri"/>
+              <a:ea typeface="Calibri"/>
+              <a:cs typeface="Calibri"/>
+              <a:sym typeface="Calibri"/>
+            </a:endParaRPr>
           </a:p>
           <a:p>
             <a:pPr marL="285750" marR="0" lvl="0" indent="-285750" algn="l" rtl="0">
@@ -24074,7 +24068,7 @@
               <a:buNone/>
             </a:pPr>
             <a:r>
-              <a:rPr lang="es-ES" sz="1800" dirty="0" err="1">
+              <a:rPr lang="es-ES" sz="1800" dirty="0" smtClean="0">
                 <a:solidFill>
                   <a:schemeClr val="dk1"/>
                 </a:solidFill>
@@ -24083,43 +24077,7 @@
                 <a:cs typeface="Calibri"/>
                 <a:sym typeface="Calibri"/>
               </a:rPr>
-              <a:t>Desired</a:t>
-            </a:r>
-            <a:r>
-              <a:rPr lang="es-ES" sz="1800" dirty="0">
-                <a:solidFill>
-                  <a:schemeClr val="dk1"/>
-                </a:solidFill>
-                <a:latin typeface="Calibri"/>
-                <a:ea typeface="Calibri"/>
-                <a:cs typeface="Calibri"/>
-                <a:sym typeface="Calibri"/>
-              </a:rPr>
-              <a:t> </a:t>
-            </a:r>
-            <a:r>
-              <a:rPr lang="es-ES" sz="1800" dirty="0" err="1">
-                <a:solidFill>
-                  <a:schemeClr val="dk1"/>
-                </a:solidFill>
-                <a:latin typeface="Calibri"/>
-                <a:ea typeface="Calibri"/>
-                <a:cs typeface="Calibri"/>
-                <a:sym typeface="Calibri"/>
-              </a:rPr>
-              <a:t>Result</a:t>
-            </a:r>
-            <a:r>
-              <a:rPr lang="es-ES" sz="1800" dirty="0">
-                <a:solidFill>
-                  <a:schemeClr val="dk1"/>
-                </a:solidFill>
-                <a:latin typeface="Calibri"/>
-                <a:ea typeface="Calibri"/>
-                <a:cs typeface="Calibri"/>
-                <a:sym typeface="Calibri"/>
-              </a:rPr>
-              <a:t>:</a:t>
+              <a:t>Resultado Deseado:</a:t>
             </a:r>
             <a:endParaRPr dirty="0"/>
           </a:p>
@@ -24151,7 +24109,7 @@
               <a:t>Dar la </a:t>
             </a:r>
             <a:r>
-              <a:rPr lang="es-ES" dirty="0" err="1">
+              <a:rPr lang="es-ES" dirty="0" smtClean="0">
                 <a:solidFill>
                   <a:schemeClr val="dk1"/>
                 </a:solidFill>
@@ -24160,7 +24118,7 @@
                 <a:cs typeface="Calibri"/>
                 <a:sym typeface="Calibri"/>
               </a:rPr>
-              <a:t>ópcion</a:t>
+              <a:t>opción </a:t>
             </a:r>
             <a:r>
               <a:rPr lang="es-ES" dirty="0">
@@ -24172,7 +24130,7 @@
                 <a:cs typeface="Calibri"/>
                 <a:sym typeface="Calibri"/>
               </a:rPr>
-              <a:t> de compartir con anteriores acompañantes, redes sociales. </a:t>
+              <a:t>de compartir con anteriores acompañantes, redes sociales. </a:t>
             </a:r>
             <a:r>
               <a:rPr lang="es-ES" dirty="0" err="1">
